--- a/Resolution Sweep.pptx
+++ b/Resolution Sweep.pptx
@@ -14,6 +14,11 @@
     <p:sldId id="258" r:id="rId8"/>
     <p:sldId id="262" r:id="rId9"/>
     <p:sldId id="263" r:id="rId10"/>
+    <p:sldId id="265" r:id="rId11"/>
+    <p:sldId id="266" r:id="rId12"/>
+    <p:sldId id="267" r:id="rId13"/>
+    <p:sldId id="268" r:id="rId14"/>
+    <p:sldId id="269" r:id="rId15"/>
   </p:sldIdLst>
   <p:sldSz cx="12192000" cy="6858000"/>
   <p:notesSz cx="6858000" cy="9144000"/>
@@ -112,7 +117,252 @@
       </a:defRPr>
     </a:lvl9pPr>
   </p:defaultTextStyle>
+  <p:extLst>
+    <p:ext uri="{EFAFB233-063F-42B5-8137-9DF3F51BA10A}">
+      <p15:sldGuideLst xmlns:p15="http://schemas.microsoft.com/office/powerpoint/2012/main"/>
+    </p:ext>
+  </p:extLst>
 </p:presentation>
+</file>
+
+<file path=ppt/revisionInfo.xml><?xml version="1.0" encoding="utf-8"?>
+<p1510:revInfo xmlns:a="http://schemas.openxmlformats.org/drawingml/2006/main" xmlns:r="http://schemas.openxmlformats.org/officeDocument/2006/relationships" xmlns:p1510="http://schemas.microsoft.com/office/powerpoint/2015/10/main">
+  <p1510:revLst>
+    <p1510:client id="{474358AD-6C57-427F-8F2B-AE7480F2A727}" v="5" dt="2023-09-08T18:28:00.573"/>
+  </p1510:revLst>
+</p1510:revInfo>
+</file>
+
+<file path=ppt/changesInfos/changesInfo1.xml><?xml version="1.0" encoding="utf-8"?>
+<pc:chgInfo xmlns:a="http://schemas.openxmlformats.org/drawingml/2006/main" xmlns:r="http://schemas.openxmlformats.org/officeDocument/2006/relationships" xmlns:ac="http://schemas.microsoft.com/office/drawing/2013/main/command" xmlns:pc="http://schemas.microsoft.com/office/powerpoint/2013/main/command">
+  <pc:docChgLst>
+    <pc:chgData name="lolol lolol" userId="4073abc1f8c8b37f" providerId="LiveId" clId="{474358AD-6C57-427F-8F2B-AE7480F2A727}"/>
+    <pc:docChg chg="undo custSel addSld modSld">
+      <pc:chgData name="lolol lolol" userId="4073abc1f8c8b37f" providerId="LiveId" clId="{474358AD-6C57-427F-8F2B-AE7480F2A727}" dt="2023-09-08T18:35:11.950" v="624" actId="20577"/>
+      <pc:docMkLst>
+        <pc:docMk/>
+      </pc:docMkLst>
+      <pc:sldChg chg="modSp mod">
+        <pc:chgData name="lolol lolol" userId="4073abc1f8c8b37f" providerId="LiveId" clId="{474358AD-6C57-427F-8F2B-AE7480F2A727}" dt="2023-09-08T18:32:09.436" v="329" actId="207"/>
+        <pc:sldMkLst>
+          <pc:docMk/>
+          <pc:sldMk cId="2284723822" sldId="263"/>
+        </pc:sldMkLst>
+        <pc:spChg chg="mod">
+          <ac:chgData name="lolol lolol" userId="4073abc1f8c8b37f" providerId="LiveId" clId="{474358AD-6C57-427F-8F2B-AE7480F2A727}" dt="2023-09-08T18:32:09.436" v="329" actId="207"/>
+          <ac:spMkLst>
+            <pc:docMk/>
+            <pc:sldMk cId="2284723822" sldId="263"/>
+            <ac:spMk id="3" creationId="{000F7399-640A-CECB-BF7B-764C5FB22FF7}"/>
+          </ac:spMkLst>
+        </pc:spChg>
+      </pc:sldChg>
+      <pc:sldChg chg="addSp delSp modSp new mod modClrScheme chgLayout">
+        <pc:chgData name="lolol lolol" userId="4073abc1f8c8b37f" providerId="LiveId" clId="{474358AD-6C57-427F-8F2B-AE7480F2A727}" dt="2023-09-08T18:13:00.668" v="22" actId="20577"/>
+        <pc:sldMkLst>
+          <pc:docMk/>
+          <pc:sldMk cId="3328738451" sldId="265"/>
+        </pc:sldMkLst>
+        <pc:spChg chg="del mod ord">
+          <ac:chgData name="lolol lolol" userId="4073abc1f8c8b37f" providerId="LiveId" clId="{474358AD-6C57-427F-8F2B-AE7480F2A727}" dt="2023-09-08T18:12:39.001" v="1" actId="700"/>
+          <ac:spMkLst>
+            <pc:docMk/>
+            <pc:sldMk cId="3328738451" sldId="265"/>
+            <ac:spMk id="2" creationId="{E0EAC9B6-2329-8DFC-F2C9-3C1CD51E1704}"/>
+          </ac:spMkLst>
+        </pc:spChg>
+        <pc:spChg chg="del mod ord">
+          <ac:chgData name="lolol lolol" userId="4073abc1f8c8b37f" providerId="LiveId" clId="{474358AD-6C57-427F-8F2B-AE7480F2A727}" dt="2023-09-08T18:12:39.001" v="1" actId="700"/>
+          <ac:spMkLst>
+            <pc:docMk/>
+            <pc:sldMk cId="3328738451" sldId="265"/>
+            <ac:spMk id="3" creationId="{2AFAFAB6-ECEF-49A4-A9F1-DCAC652156B7}"/>
+          </ac:spMkLst>
+        </pc:spChg>
+        <pc:spChg chg="add del mod ord">
+          <ac:chgData name="lolol lolol" userId="4073abc1f8c8b37f" providerId="LiveId" clId="{474358AD-6C57-427F-8F2B-AE7480F2A727}" dt="2023-09-08T18:12:49.787" v="2" actId="700"/>
+          <ac:spMkLst>
+            <pc:docMk/>
+            <pc:sldMk cId="3328738451" sldId="265"/>
+            <ac:spMk id="4" creationId="{3214A1FD-00D6-FD10-9936-C0D647BB307E}"/>
+          </ac:spMkLst>
+        </pc:spChg>
+        <pc:spChg chg="add del mod ord">
+          <ac:chgData name="lolol lolol" userId="4073abc1f8c8b37f" providerId="LiveId" clId="{474358AD-6C57-427F-8F2B-AE7480F2A727}" dt="2023-09-08T18:12:49.787" v="2" actId="700"/>
+          <ac:spMkLst>
+            <pc:docMk/>
+            <pc:sldMk cId="3328738451" sldId="265"/>
+            <ac:spMk id="5" creationId="{82BE9D81-5F66-BB39-3E1E-A9798030305E}"/>
+          </ac:spMkLst>
+        </pc:spChg>
+        <pc:spChg chg="add mod ord">
+          <ac:chgData name="lolol lolol" userId="4073abc1f8c8b37f" providerId="LiveId" clId="{474358AD-6C57-427F-8F2B-AE7480F2A727}" dt="2023-09-08T18:13:00.668" v="22" actId="20577"/>
+          <ac:spMkLst>
+            <pc:docMk/>
+            <pc:sldMk cId="3328738451" sldId="265"/>
+            <ac:spMk id="6" creationId="{E08E0334-EF01-31CD-33A3-AD4EEA9E4C6F}"/>
+          </ac:spMkLst>
+        </pc:spChg>
+        <pc:spChg chg="add mod ord">
+          <ac:chgData name="lolol lolol" userId="4073abc1f8c8b37f" providerId="LiveId" clId="{474358AD-6C57-427F-8F2B-AE7480F2A727}" dt="2023-09-08T18:12:49.787" v="2" actId="700"/>
+          <ac:spMkLst>
+            <pc:docMk/>
+            <pc:sldMk cId="3328738451" sldId="265"/>
+            <ac:spMk id="7" creationId="{977BC36B-3118-8AFC-68B1-AF7807B2ACBC}"/>
+          </ac:spMkLst>
+        </pc:spChg>
+      </pc:sldChg>
+      <pc:sldChg chg="addSp delSp modSp new mod">
+        <pc:chgData name="lolol lolol" userId="4073abc1f8c8b37f" providerId="LiveId" clId="{474358AD-6C57-427F-8F2B-AE7480F2A727}" dt="2023-09-08T18:20:03.263" v="44" actId="14100"/>
+        <pc:sldMkLst>
+          <pc:docMk/>
+          <pc:sldMk cId="3190866354" sldId="266"/>
+        </pc:sldMkLst>
+        <pc:spChg chg="mod">
+          <ac:chgData name="lolol lolol" userId="4073abc1f8c8b37f" providerId="LiveId" clId="{474358AD-6C57-427F-8F2B-AE7480F2A727}" dt="2023-09-08T18:17:31.008" v="39" actId="20577"/>
+          <ac:spMkLst>
+            <pc:docMk/>
+            <pc:sldMk cId="3190866354" sldId="266"/>
+            <ac:spMk id="2" creationId="{D55328F1-8013-A13E-8633-0F92E4FBEF3A}"/>
+          </ac:spMkLst>
+        </pc:spChg>
+        <pc:spChg chg="del">
+          <ac:chgData name="lolol lolol" userId="4073abc1f8c8b37f" providerId="LiveId" clId="{474358AD-6C57-427F-8F2B-AE7480F2A727}" dt="2023-09-08T18:19:09.424" v="40"/>
+          <ac:spMkLst>
+            <pc:docMk/>
+            <pc:sldMk cId="3190866354" sldId="266"/>
+            <ac:spMk id="3" creationId="{D864F691-E962-706A-6838-0D46D0A3682B}"/>
+          </ac:spMkLst>
+        </pc:spChg>
+        <pc:picChg chg="add mod">
+          <ac:chgData name="lolol lolol" userId="4073abc1f8c8b37f" providerId="LiveId" clId="{474358AD-6C57-427F-8F2B-AE7480F2A727}" dt="2023-09-08T18:20:03.263" v="44" actId="14100"/>
+          <ac:picMkLst>
+            <pc:docMk/>
+            <pc:sldMk cId="3190866354" sldId="266"/>
+            <ac:picMk id="5" creationId="{47F02345-66F4-2C8D-CEF8-381C85CD11EC}"/>
+          </ac:picMkLst>
+        </pc:picChg>
+      </pc:sldChg>
+      <pc:sldChg chg="addSp delSp modSp new mod modAnim">
+        <pc:chgData name="lolol lolol" userId="4073abc1f8c8b37f" providerId="LiveId" clId="{474358AD-6C57-427F-8F2B-AE7480F2A727}" dt="2023-09-08T18:22:56.923" v="68"/>
+        <pc:sldMkLst>
+          <pc:docMk/>
+          <pc:sldMk cId="2994780922" sldId="267"/>
+        </pc:sldMkLst>
+        <pc:spChg chg="mod">
+          <ac:chgData name="lolol lolol" userId="4073abc1f8c8b37f" providerId="LiveId" clId="{474358AD-6C57-427F-8F2B-AE7480F2A727}" dt="2023-09-08T18:20:19.156" v="58" actId="20577"/>
+          <ac:spMkLst>
+            <pc:docMk/>
+            <pc:sldMk cId="2994780922" sldId="267"/>
+            <ac:spMk id="2" creationId="{61CBD28C-AB2D-D8B6-CFA0-38B5E04A6883}"/>
+          </ac:spMkLst>
+        </pc:spChg>
+        <pc:spChg chg="del">
+          <ac:chgData name="lolol lolol" userId="4073abc1f8c8b37f" providerId="LiveId" clId="{474358AD-6C57-427F-8F2B-AE7480F2A727}" dt="2023-09-08T18:20:47.538" v="59"/>
+          <ac:spMkLst>
+            <pc:docMk/>
+            <pc:sldMk cId="2994780922" sldId="267"/>
+            <ac:spMk id="3" creationId="{142EFDF0-DD26-DB0C-2552-D64A20DD2E44}"/>
+          </ac:spMkLst>
+        </pc:spChg>
+        <pc:spChg chg="add mod">
+          <ac:chgData name="lolol lolol" userId="4073abc1f8c8b37f" providerId="LiveId" clId="{474358AD-6C57-427F-8F2B-AE7480F2A727}" dt="2023-09-08T18:22:45.005" v="66" actId="1582"/>
+          <ac:spMkLst>
+            <pc:docMk/>
+            <pc:sldMk cId="2994780922" sldId="267"/>
+            <ac:spMk id="6" creationId="{DFBE23BA-061B-EBEA-E04F-E196196B967D}"/>
+          </ac:spMkLst>
+        </pc:spChg>
+        <pc:picChg chg="add mod">
+          <ac:chgData name="lolol lolol" userId="4073abc1f8c8b37f" providerId="LiveId" clId="{474358AD-6C57-427F-8F2B-AE7480F2A727}" dt="2023-09-08T18:22:50.932" v="67" actId="1076"/>
+          <ac:picMkLst>
+            <pc:docMk/>
+            <pc:sldMk cId="2994780922" sldId="267"/>
+            <ac:picMk id="5" creationId="{535AAB2C-1580-9734-2AEE-65C94DBAD939}"/>
+          </ac:picMkLst>
+        </pc:picChg>
+      </pc:sldChg>
+      <pc:sldChg chg="addSp delSp modSp new mod">
+        <pc:chgData name="lolol lolol" userId="4073abc1f8c8b37f" providerId="LiveId" clId="{474358AD-6C57-427F-8F2B-AE7480F2A727}" dt="2023-09-08T18:29:13.091" v="126" actId="1076"/>
+        <pc:sldMkLst>
+          <pc:docMk/>
+          <pc:sldMk cId="3524398336" sldId="268"/>
+        </pc:sldMkLst>
+        <pc:spChg chg="mod">
+          <ac:chgData name="lolol lolol" userId="4073abc1f8c8b37f" providerId="LiveId" clId="{474358AD-6C57-427F-8F2B-AE7480F2A727}" dt="2023-09-08T18:24:48.406" v="95" actId="20577"/>
+          <ac:spMkLst>
+            <pc:docMk/>
+            <pc:sldMk cId="3524398336" sldId="268"/>
+            <ac:spMk id="2" creationId="{2B259AE6-C345-B495-A46D-1E460D164992}"/>
+          </ac:spMkLst>
+        </pc:spChg>
+        <pc:spChg chg="del">
+          <ac:chgData name="lolol lolol" userId="4073abc1f8c8b37f" providerId="LiveId" clId="{474358AD-6C57-427F-8F2B-AE7480F2A727}" dt="2023-09-08T18:26:35.215" v="96" actId="22"/>
+          <ac:spMkLst>
+            <pc:docMk/>
+            <pc:sldMk cId="3524398336" sldId="268"/>
+            <ac:spMk id="3" creationId="{FDF7F018-CD60-3F83-7578-60958066941A}"/>
+          </ac:spMkLst>
+        </pc:spChg>
+        <pc:spChg chg="add mod">
+          <ac:chgData name="lolol lolol" userId="4073abc1f8c8b37f" providerId="LiveId" clId="{474358AD-6C57-427F-8F2B-AE7480F2A727}" dt="2023-09-08T18:27:51.569" v="119" actId="1076"/>
+          <ac:spMkLst>
+            <pc:docMk/>
+            <pc:sldMk cId="3524398336" sldId="268"/>
+            <ac:spMk id="6" creationId="{61F295D4-DD8D-DF61-6B19-7D5B44124F77}"/>
+          </ac:spMkLst>
+        </pc:spChg>
+        <pc:spChg chg="add mod">
+          <ac:chgData name="lolol lolol" userId="4073abc1f8c8b37f" providerId="LiveId" clId="{474358AD-6C57-427F-8F2B-AE7480F2A727}" dt="2023-09-08T18:28:10.788" v="124" actId="1076"/>
+          <ac:spMkLst>
+            <pc:docMk/>
+            <pc:sldMk cId="3524398336" sldId="268"/>
+            <ac:spMk id="7" creationId="{83E1FF78-E4C3-9F2E-7C59-D12095C782FB}"/>
+          </ac:spMkLst>
+        </pc:spChg>
+        <pc:picChg chg="add mod ord">
+          <ac:chgData name="lolol lolol" userId="4073abc1f8c8b37f" providerId="LiveId" clId="{474358AD-6C57-427F-8F2B-AE7480F2A727}" dt="2023-09-08T18:26:57.819" v="100" actId="1076"/>
+          <ac:picMkLst>
+            <pc:docMk/>
+            <pc:sldMk cId="3524398336" sldId="268"/>
+            <ac:picMk id="5" creationId="{C6C638F6-46E0-EAAC-5D53-60F7EC7C96A1}"/>
+          </ac:picMkLst>
+        </pc:picChg>
+        <pc:picChg chg="add mod">
+          <ac:chgData name="lolol lolol" userId="4073abc1f8c8b37f" providerId="LiveId" clId="{474358AD-6C57-427F-8F2B-AE7480F2A727}" dt="2023-09-08T18:29:13.091" v="126" actId="1076"/>
+          <ac:picMkLst>
+            <pc:docMk/>
+            <pc:sldMk cId="3524398336" sldId="268"/>
+            <ac:picMk id="9" creationId="{3C0412C3-AAE4-8821-D8F8-ACB4135A14F7}"/>
+          </ac:picMkLst>
+        </pc:picChg>
+      </pc:sldChg>
+      <pc:sldChg chg="modSp new mod">
+        <pc:chgData name="lolol lolol" userId="4073abc1f8c8b37f" providerId="LiveId" clId="{474358AD-6C57-427F-8F2B-AE7480F2A727}" dt="2023-09-08T18:35:11.950" v="624" actId="20577"/>
+        <pc:sldMkLst>
+          <pc:docMk/>
+          <pc:sldMk cId="908987171" sldId="269"/>
+        </pc:sldMkLst>
+        <pc:spChg chg="mod">
+          <ac:chgData name="lolol lolol" userId="4073abc1f8c8b37f" providerId="LiveId" clId="{474358AD-6C57-427F-8F2B-AE7480F2A727}" dt="2023-09-08T18:31:33.669" v="321" actId="20577"/>
+          <ac:spMkLst>
+            <pc:docMk/>
+            <pc:sldMk cId="908987171" sldId="269"/>
+            <ac:spMk id="2" creationId="{209BDECD-9688-8EE9-414C-09AEE336875A}"/>
+          </ac:spMkLst>
+        </pc:spChg>
+        <pc:spChg chg="mod">
+          <ac:chgData name="lolol lolol" userId="4073abc1f8c8b37f" providerId="LiveId" clId="{474358AD-6C57-427F-8F2B-AE7480F2A727}" dt="2023-09-08T18:35:11.950" v="624" actId="20577"/>
+          <ac:spMkLst>
+            <pc:docMk/>
+            <pc:sldMk cId="908987171" sldId="269"/>
+            <ac:spMk id="3" creationId="{9148E18B-7A61-6605-2344-DEBB0D24C688}"/>
+          </ac:spMkLst>
+        </pc:spChg>
+      </pc:sldChg>
+    </pc:docChg>
+  </pc:docChgLst>
+</pc:chgInfo>
 </file>
 
 <file path=ppt/slideLayouts/slideLayout1.xml><?xml version="1.0" encoding="utf-8"?>
@@ -262,7 +512,7 @@
           <a:p>
             <a:fld id="{DF8FCD10-B565-47CF-9042-A569D4E6E02B}" type="datetimeFigureOut">
               <a:rPr lang="en-US" smtClean="0"/>
-              <a:t>8/4/2023</a:t>
+              <a:t>9/8/2023</a:t>
             </a:fld>
             <a:endParaRPr lang="en-US"/>
           </a:p>
@@ -460,7 +710,7 @@
           <a:p>
             <a:fld id="{DF8FCD10-B565-47CF-9042-A569D4E6E02B}" type="datetimeFigureOut">
               <a:rPr lang="en-US" smtClean="0"/>
-              <a:t>8/4/2023</a:t>
+              <a:t>9/8/2023</a:t>
             </a:fld>
             <a:endParaRPr lang="en-US"/>
           </a:p>
@@ -668,7 +918,7 @@
           <a:p>
             <a:fld id="{DF8FCD10-B565-47CF-9042-A569D4E6E02B}" type="datetimeFigureOut">
               <a:rPr lang="en-US" smtClean="0"/>
-              <a:t>8/4/2023</a:t>
+              <a:t>9/8/2023</a:t>
             </a:fld>
             <a:endParaRPr lang="en-US"/>
           </a:p>
@@ -866,7 +1116,7 @@
           <a:p>
             <a:fld id="{DF8FCD10-B565-47CF-9042-A569D4E6E02B}" type="datetimeFigureOut">
               <a:rPr lang="en-US" smtClean="0"/>
-              <a:t>8/4/2023</a:t>
+              <a:t>9/8/2023</a:t>
             </a:fld>
             <a:endParaRPr lang="en-US"/>
           </a:p>
@@ -1141,7 +1391,7 @@
           <a:p>
             <a:fld id="{DF8FCD10-B565-47CF-9042-A569D4E6E02B}" type="datetimeFigureOut">
               <a:rPr lang="en-US" smtClean="0"/>
-              <a:t>8/4/2023</a:t>
+              <a:t>9/8/2023</a:t>
             </a:fld>
             <a:endParaRPr lang="en-US"/>
           </a:p>
@@ -1406,7 +1656,7 @@
           <a:p>
             <a:fld id="{DF8FCD10-B565-47CF-9042-A569D4E6E02B}" type="datetimeFigureOut">
               <a:rPr lang="en-US" smtClean="0"/>
-              <a:t>8/4/2023</a:t>
+              <a:t>9/8/2023</a:t>
             </a:fld>
             <a:endParaRPr lang="en-US"/>
           </a:p>
@@ -1818,7 +2068,7 @@
           <a:p>
             <a:fld id="{DF8FCD10-B565-47CF-9042-A569D4E6E02B}" type="datetimeFigureOut">
               <a:rPr lang="en-US" smtClean="0"/>
-              <a:t>8/4/2023</a:t>
+              <a:t>9/8/2023</a:t>
             </a:fld>
             <a:endParaRPr lang="en-US"/>
           </a:p>
@@ -1959,7 +2209,7 @@
           <a:p>
             <a:fld id="{DF8FCD10-B565-47CF-9042-A569D4E6E02B}" type="datetimeFigureOut">
               <a:rPr lang="en-US" smtClean="0"/>
-              <a:t>8/4/2023</a:t>
+              <a:t>9/8/2023</a:t>
             </a:fld>
             <a:endParaRPr lang="en-US"/>
           </a:p>
@@ -2072,7 +2322,7 @@
           <a:p>
             <a:fld id="{DF8FCD10-B565-47CF-9042-A569D4E6E02B}" type="datetimeFigureOut">
               <a:rPr lang="en-US" smtClean="0"/>
-              <a:t>8/4/2023</a:t>
+              <a:t>9/8/2023</a:t>
             </a:fld>
             <a:endParaRPr lang="en-US"/>
           </a:p>
@@ -2383,7 +2633,7 @@
           <a:p>
             <a:fld id="{DF8FCD10-B565-47CF-9042-A569D4E6E02B}" type="datetimeFigureOut">
               <a:rPr lang="en-US" smtClean="0"/>
-              <a:t>8/4/2023</a:t>
+              <a:t>9/8/2023</a:t>
             </a:fld>
             <a:endParaRPr lang="en-US"/>
           </a:p>
@@ -2671,7 +2921,7 @@
           <a:p>
             <a:fld id="{DF8FCD10-B565-47CF-9042-A569D4E6E02B}" type="datetimeFigureOut">
               <a:rPr lang="en-US" smtClean="0"/>
-              <a:t>8/4/2023</a:t>
+              <a:t>9/8/2023</a:t>
             </a:fld>
             <a:endParaRPr lang="en-US"/>
           </a:p>
@@ -2912,7 +3162,7 @@
           <a:p>
             <a:fld id="{DF8FCD10-B565-47CF-9042-A569D4E6E02B}" type="datetimeFigureOut">
               <a:rPr lang="en-US" smtClean="0"/>
-              <a:t>8/4/2023</a:t>
+              <a:t>9/8/2023</a:t>
             </a:fld>
             <a:endParaRPr lang="en-US"/>
           </a:p>
@@ -3398,6 +3648,704 @@
 </p:sld>
 </file>
 
+<file path=ppt/slides/slide10.xml><?xml version="1.0" encoding="utf-8"?>
+<p:sld xmlns:a="http://schemas.openxmlformats.org/drawingml/2006/main" xmlns:r="http://schemas.openxmlformats.org/officeDocument/2006/relationships" xmlns:p="http://schemas.openxmlformats.org/presentationml/2006/main">
+  <p:cSld>
+    <p:spTree>
+      <p:nvGrpSpPr>
+        <p:cNvPr id="1" name=""/>
+        <p:cNvGrpSpPr/>
+        <p:nvPr/>
+      </p:nvGrpSpPr>
+      <p:grpSpPr>
+        <a:xfrm>
+          <a:off x="0" y="0"/>
+          <a:ext cx="0" cy="0"/>
+          <a:chOff x="0" y="0"/>
+          <a:chExt cx="0" cy="0"/>
+        </a:xfrm>
+      </p:grpSpPr>
+      <p:sp>
+        <p:nvSpPr>
+          <p:cNvPr id="6" name="Title 5">
+            <a:extLst>
+              <a:ext uri="{FF2B5EF4-FFF2-40B4-BE49-F238E27FC236}">
+                <a16:creationId xmlns:a16="http://schemas.microsoft.com/office/drawing/2014/main" id="{E08E0334-EF01-31CD-33A3-AD4EEA9E4C6F}"/>
+              </a:ext>
+            </a:extLst>
+          </p:cNvPr>
+          <p:cNvSpPr>
+            <a:spLocks noGrp="1"/>
+          </p:cNvSpPr>
+          <p:nvPr>
+            <p:ph type="ctrTitle"/>
+          </p:nvPr>
+        </p:nvSpPr>
+        <p:spPr/>
+        <p:txBody>
+          <a:bodyPr/>
+          <a:lstStyle/>
+          <a:p>
+            <a:r>
+              <a:rPr lang="en-US" dirty="0"/>
+              <a:t>Update September 9</a:t>
+            </a:r>
+          </a:p>
+        </p:txBody>
+      </p:sp>
+      <p:sp>
+        <p:nvSpPr>
+          <p:cNvPr id="7" name="Subtitle 6">
+            <a:extLst>
+              <a:ext uri="{FF2B5EF4-FFF2-40B4-BE49-F238E27FC236}">
+                <a16:creationId xmlns:a16="http://schemas.microsoft.com/office/drawing/2014/main" id="{977BC36B-3118-8AFC-68B1-AF7807B2ACBC}"/>
+              </a:ext>
+            </a:extLst>
+          </p:cNvPr>
+          <p:cNvSpPr>
+            <a:spLocks noGrp="1"/>
+          </p:cNvSpPr>
+          <p:nvPr>
+            <p:ph type="subTitle" idx="1"/>
+          </p:nvPr>
+        </p:nvSpPr>
+        <p:spPr/>
+        <p:txBody>
+          <a:bodyPr/>
+          <a:lstStyle/>
+          <a:p>
+            <a:endParaRPr lang="en-US" dirty="0"/>
+          </a:p>
+        </p:txBody>
+      </p:sp>
+    </p:spTree>
+    <p:extLst>
+      <p:ext uri="{BB962C8B-B14F-4D97-AF65-F5344CB8AC3E}">
+        <p14:creationId xmlns:p14="http://schemas.microsoft.com/office/powerpoint/2010/main" val="3328738451"/>
+      </p:ext>
+    </p:extLst>
+  </p:cSld>
+  <p:clrMapOvr>
+    <a:masterClrMapping/>
+  </p:clrMapOvr>
+</p:sld>
+</file>
+
+<file path=ppt/slides/slide11.xml><?xml version="1.0" encoding="utf-8"?>
+<p:sld xmlns:a="http://schemas.openxmlformats.org/drawingml/2006/main" xmlns:r="http://schemas.openxmlformats.org/officeDocument/2006/relationships" xmlns:p="http://schemas.openxmlformats.org/presentationml/2006/main">
+  <p:cSld>
+    <p:spTree>
+      <p:nvGrpSpPr>
+        <p:cNvPr id="1" name=""/>
+        <p:cNvGrpSpPr/>
+        <p:nvPr/>
+      </p:nvGrpSpPr>
+      <p:grpSpPr>
+        <a:xfrm>
+          <a:off x="0" y="0"/>
+          <a:ext cx="0" cy="0"/>
+          <a:chOff x="0" y="0"/>
+          <a:chExt cx="0" cy="0"/>
+        </a:xfrm>
+      </p:grpSpPr>
+      <p:sp>
+        <p:nvSpPr>
+          <p:cNvPr id="2" name="Title 1">
+            <a:extLst>
+              <a:ext uri="{FF2B5EF4-FFF2-40B4-BE49-F238E27FC236}">
+                <a16:creationId xmlns:a16="http://schemas.microsoft.com/office/drawing/2014/main" id="{D55328F1-8013-A13E-8633-0F92E4FBEF3A}"/>
+              </a:ext>
+            </a:extLst>
+          </p:cNvPr>
+          <p:cNvSpPr>
+            <a:spLocks noGrp="1"/>
+          </p:cNvSpPr>
+          <p:nvPr>
+            <p:ph type="title"/>
+          </p:nvPr>
+        </p:nvSpPr>
+        <p:spPr/>
+        <p:txBody>
+          <a:bodyPr/>
+          <a:lstStyle/>
+          <a:p>
+            <a:r>
+              <a:rPr lang="en-US" dirty="0"/>
+              <a:t>Sweep Up Results</a:t>
+            </a:r>
+          </a:p>
+        </p:txBody>
+      </p:sp>
+      <p:pic>
+        <p:nvPicPr>
+          <p:cNvPr id="5" name="Content Placeholder 4" descr="A color chart with different shades of blue and green&#10;&#10;Description automatically generated">
+            <a:extLst>
+              <a:ext uri="{FF2B5EF4-FFF2-40B4-BE49-F238E27FC236}">
+                <a16:creationId xmlns:a16="http://schemas.microsoft.com/office/drawing/2014/main" id="{47F02345-66F4-2C8D-CEF8-381C85CD11EC}"/>
+              </a:ext>
+            </a:extLst>
+          </p:cNvPr>
+          <p:cNvPicPr>
+            <a:picLocks noGrp="1" noChangeAspect="1"/>
+          </p:cNvPicPr>
+          <p:nvPr>
+            <p:ph idx="1"/>
+          </p:nvPr>
+        </p:nvPicPr>
+        <p:blipFill>
+          <a:blip r:embed="rId2">
+            <a:extLst>
+              <a:ext uri="{28A0092B-C50C-407E-A947-70E740481C1C}">
+                <a14:useLocalDpi xmlns:a14="http://schemas.microsoft.com/office/drawing/2010/main" val="0"/>
+              </a:ext>
+            </a:extLst>
+          </a:blip>
+          <a:stretch>
+            <a:fillRect/>
+          </a:stretch>
+        </p:blipFill>
+        <p:spPr>
+          <a:xfrm>
+            <a:off x="1526458" y="1330782"/>
+            <a:ext cx="9210367" cy="5382682"/>
+          </a:xfrm>
+        </p:spPr>
+      </p:pic>
+    </p:spTree>
+    <p:extLst>
+      <p:ext uri="{BB962C8B-B14F-4D97-AF65-F5344CB8AC3E}">
+        <p14:creationId xmlns:p14="http://schemas.microsoft.com/office/powerpoint/2010/main" val="3190866354"/>
+      </p:ext>
+    </p:extLst>
+  </p:cSld>
+  <p:clrMapOvr>
+    <a:masterClrMapping/>
+  </p:clrMapOvr>
+</p:sld>
+</file>
+
+<file path=ppt/slides/slide12.xml><?xml version="1.0" encoding="utf-8"?>
+<p:sld xmlns:a="http://schemas.openxmlformats.org/drawingml/2006/main" xmlns:r="http://schemas.openxmlformats.org/officeDocument/2006/relationships" xmlns:p="http://schemas.openxmlformats.org/presentationml/2006/main">
+  <p:cSld>
+    <p:spTree>
+      <p:nvGrpSpPr>
+        <p:cNvPr id="1" name=""/>
+        <p:cNvGrpSpPr/>
+        <p:nvPr/>
+      </p:nvGrpSpPr>
+      <p:grpSpPr>
+        <a:xfrm>
+          <a:off x="0" y="0"/>
+          <a:ext cx="0" cy="0"/>
+          <a:chOff x="0" y="0"/>
+          <a:chExt cx="0" cy="0"/>
+        </a:xfrm>
+      </p:grpSpPr>
+      <p:sp>
+        <p:nvSpPr>
+          <p:cNvPr id="2" name="Title 1">
+            <a:extLst>
+              <a:ext uri="{FF2B5EF4-FFF2-40B4-BE49-F238E27FC236}">
+                <a16:creationId xmlns:a16="http://schemas.microsoft.com/office/drawing/2014/main" id="{61CBD28C-AB2D-D8B6-CFA0-38B5E04A6883}"/>
+              </a:ext>
+            </a:extLst>
+          </p:cNvPr>
+          <p:cNvSpPr>
+            <a:spLocks noGrp="1"/>
+          </p:cNvSpPr>
+          <p:nvPr>
+            <p:ph type="title"/>
+          </p:nvPr>
+        </p:nvSpPr>
+        <p:spPr/>
+        <p:txBody>
+          <a:bodyPr/>
+          <a:lstStyle/>
+          <a:p>
+            <a:r>
+              <a:rPr lang="en-US" dirty="0"/>
+              <a:t>Sweep Down </a:t>
+            </a:r>
+          </a:p>
+        </p:txBody>
+      </p:sp>
+      <p:pic>
+        <p:nvPicPr>
+          <p:cNvPr id="5" name="Content Placeholder 4" descr="A chart of different colors&#10;&#10;Description automatically generated">
+            <a:extLst>
+              <a:ext uri="{FF2B5EF4-FFF2-40B4-BE49-F238E27FC236}">
+                <a16:creationId xmlns:a16="http://schemas.microsoft.com/office/drawing/2014/main" id="{535AAB2C-1580-9734-2AEE-65C94DBAD939}"/>
+              </a:ext>
+            </a:extLst>
+          </p:cNvPr>
+          <p:cNvPicPr>
+            <a:picLocks noGrp="1" noChangeAspect="1"/>
+          </p:cNvPicPr>
+          <p:nvPr>
+            <p:ph idx="1"/>
+          </p:nvPr>
+        </p:nvPicPr>
+        <p:blipFill>
+          <a:blip r:embed="rId2">
+            <a:extLst>
+              <a:ext uri="{28A0092B-C50C-407E-A947-70E740481C1C}">
+                <a14:useLocalDpi xmlns:a14="http://schemas.microsoft.com/office/drawing/2010/main" val="0"/>
+              </a:ext>
+            </a:extLst>
+          </a:blip>
+          <a:stretch>
+            <a:fillRect/>
+          </a:stretch>
+        </p:blipFill>
+        <p:spPr>
+          <a:xfrm>
+            <a:off x="1536881" y="1347690"/>
+            <a:ext cx="9118237" cy="5328840"/>
+          </a:xfrm>
+        </p:spPr>
+      </p:pic>
+      <p:sp>
+        <p:nvSpPr>
+          <p:cNvPr id="6" name="Oval 5">
+            <a:extLst>
+              <a:ext uri="{FF2B5EF4-FFF2-40B4-BE49-F238E27FC236}">
+                <a16:creationId xmlns:a16="http://schemas.microsoft.com/office/drawing/2014/main" id="{DFBE23BA-061B-EBEA-E04F-E196196B967D}"/>
+              </a:ext>
+            </a:extLst>
+          </p:cNvPr>
+          <p:cNvSpPr/>
+          <p:nvPr/>
+        </p:nvSpPr>
+        <p:spPr>
+          <a:xfrm>
+            <a:off x="2821781" y="2747746"/>
+            <a:ext cx="635794" cy="1071562"/>
+          </a:xfrm>
+          <a:prstGeom prst="ellipse">
+            <a:avLst/>
+          </a:prstGeom>
+          <a:noFill/>
+          <a:ln w="76200">
+            <a:solidFill>
+              <a:srgbClr val="C00000"/>
+            </a:solidFill>
+          </a:ln>
+        </p:spPr>
+        <p:style>
+          <a:lnRef idx="2">
+            <a:schemeClr val="accent1">
+              <a:shade val="15000"/>
+            </a:schemeClr>
+          </a:lnRef>
+          <a:fillRef idx="1">
+            <a:schemeClr val="accent1"/>
+          </a:fillRef>
+          <a:effectRef idx="0">
+            <a:schemeClr val="accent1"/>
+          </a:effectRef>
+          <a:fontRef idx="minor">
+            <a:schemeClr val="lt1"/>
+          </a:fontRef>
+        </p:style>
+        <p:txBody>
+          <a:bodyPr rtlCol="0" anchor="ctr"/>
+          <a:lstStyle/>
+          <a:p>
+            <a:pPr algn="ctr"/>
+            <a:endParaRPr lang="en-US"/>
+          </a:p>
+        </p:txBody>
+      </p:sp>
+    </p:spTree>
+    <p:extLst>
+      <p:ext uri="{BB962C8B-B14F-4D97-AF65-F5344CB8AC3E}">
+        <p14:creationId xmlns:p14="http://schemas.microsoft.com/office/powerpoint/2010/main" val="2994780922"/>
+      </p:ext>
+    </p:extLst>
+  </p:cSld>
+  <p:clrMapOvr>
+    <a:masterClrMapping/>
+  </p:clrMapOvr>
+  <p:timing>
+    <p:tnLst>
+      <p:par>
+        <p:cTn id="1" dur="indefinite" restart="never" nodeType="tmRoot">
+          <p:childTnLst>
+            <p:seq concurrent="1" nextAc="seek">
+              <p:cTn id="2" dur="indefinite" nodeType="mainSeq">
+                <p:childTnLst>
+                  <p:par>
+                    <p:cTn id="3" fill="hold">
+                      <p:stCondLst>
+                        <p:cond delay="indefinite"/>
+                      </p:stCondLst>
+                      <p:childTnLst>
+                        <p:par>
+                          <p:cTn id="4" fill="hold">
+                            <p:stCondLst>
+                              <p:cond delay="0"/>
+                            </p:stCondLst>
+                            <p:childTnLst>
+                              <p:par>
+                                <p:cTn id="5" presetID="1" presetClass="entr" presetSubtype="0" fill="hold" grpId="0" nodeType="clickEffect">
+                                  <p:stCondLst>
+                                    <p:cond delay="0"/>
+                                  </p:stCondLst>
+                                  <p:childTnLst>
+                                    <p:set>
+                                      <p:cBhvr>
+                                        <p:cTn id="6" dur="1" fill="hold">
+                                          <p:stCondLst>
+                                            <p:cond delay="0"/>
+                                          </p:stCondLst>
+                                        </p:cTn>
+                                        <p:tgtEl>
+                                          <p:spTgt spid="6"/>
+                                        </p:tgtEl>
+                                        <p:attrNameLst>
+                                          <p:attrName>style.visibility</p:attrName>
+                                        </p:attrNameLst>
+                                      </p:cBhvr>
+                                      <p:to>
+                                        <p:strVal val="visible"/>
+                                      </p:to>
+                                    </p:set>
+                                  </p:childTnLst>
+                                </p:cTn>
+                              </p:par>
+                            </p:childTnLst>
+                          </p:cTn>
+                        </p:par>
+                      </p:childTnLst>
+                    </p:cTn>
+                  </p:par>
+                </p:childTnLst>
+              </p:cTn>
+              <p:prevCondLst>
+                <p:cond evt="onPrev" delay="0">
+                  <p:tgtEl>
+                    <p:sldTgt/>
+                  </p:tgtEl>
+                </p:cond>
+              </p:prevCondLst>
+              <p:nextCondLst>
+                <p:cond evt="onNext" delay="0">
+                  <p:tgtEl>
+                    <p:sldTgt/>
+                  </p:tgtEl>
+                </p:cond>
+              </p:nextCondLst>
+            </p:seq>
+          </p:childTnLst>
+        </p:cTn>
+      </p:par>
+    </p:tnLst>
+    <p:bldLst>
+      <p:bldP spid="6" grpId="0" animBg="1"/>
+    </p:bldLst>
+  </p:timing>
+</p:sld>
+</file>
+
+<file path=ppt/slides/slide13.xml><?xml version="1.0" encoding="utf-8"?>
+<p:sld xmlns:a="http://schemas.openxmlformats.org/drawingml/2006/main" xmlns:r="http://schemas.openxmlformats.org/officeDocument/2006/relationships" xmlns:p="http://schemas.openxmlformats.org/presentationml/2006/main">
+  <p:cSld>
+    <p:spTree>
+      <p:nvGrpSpPr>
+        <p:cNvPr id="1" name=""/>
+        <p:cNvGrpSpPr/>
+        <p:nvPr/>
+      </p:nvGrpSpPr>
+      <p:grpSpPr>
+        <a:xfrm>
+          <a:off x="0" y="0"/>
+          <a:ext cx="0" cy="0"/>
+          <a:chOff x="0" y="0"/>
+          <a:chExt cx="0" cy="0"/>
+        </a:xfrm>
+      </p:grpSpPr>
+      <p:sp>
+        <p:nvSpPr>
+          <p:cNvPr id="2" name="Title 1">
+            <a:extLst>
+              <a:ext uri="{FF2B5EF4-FFF2-40B4-BE49-F238E27FC236}">
+                <a16:creationId xmlns:a16="http://schemas.microsoft.com/office/drawing/2014/main" id="{2B259AE6-C345-B495-A46D-1E460D164992}"/>
+              </a:ext>
+            </a:extLst>
+          </p:cNvPr>
+          <p:cNvSpPr>
+            <a:spLocks noGrp="1"/>
+          </p:cNvSpPr>
+          <p:nvPr>
+            <p:ph type="title"/>
+          </p:nvPr>
+        </p:nvSpPr>
+        <p:spPr/>
+        <p:txBody>
+          <a:bodyPr/>
+          <a:lstStyle/>
+          <a:p>
+            <a:r>
+              <a:rPr lang="en-US" dirty="0"/>
+              <a:t>Issue with 41.5 V, 62.5 ns</a:t>
+            </a:r>
+          </a:p>
+        </p:txBody>
+      </p:sp>
+      <p:pic>
+        <p:nvPicPr>
+          <p:cNvPr id="5" name="Content Placeholder 4">
+            <a:extLst>
+              <a:ext uri="{FF2B5EF4-FFF2-40B4-BE49-F238E27FC236}">
+                <a16:creationId xmlns:a16="http://schemas.microsoft.com/office/drawing/2014/main" id="{C6C638F6-46E0-EAAC-5D53-60F7EC7C96A1}"/>
+              </a:ext>
+            </a:extLst>
+          </p:cNvPr>
+          <p:cNvPicPr>
+            <a:picLocks noGrp="1" noChangeAspect="1"/>
+          </p:cNvPicPr>
+          <p:nvPr>
+            <p:ph idx="1"/>
+          </p:nvPr>
+        </p:nvPicPr>
+        <p:blipFill>
+          <a:blip r:embed="rId2"/>
+          <a:stretch>
+            <a:fillRect/>
+          </a:stretch>
+        </p:blipFill>
+        <p:spPr>
+          <a:xfrm>
+            <a:off x="937260" y="2216640"/>
+            <a:ext cx="4200556" cy="4095780"/>
+          </a:xfrm>
+        </p:spPr>
+      </p:pic>
+      <p:sp>
+        <p:nvSpPr>
+          <p:cNvPr id="6" name="TextBox 5">
+            <a:extLst>
+              <a:ext uri="{FF2B5EF4-FFF2-40B4-BE49-F238E27FC236}">
+                <a16:creationId xmlns:a16="http://schemas.microsoft.com/office/drawing/2014/main" id="{61F295D4-DD8D-DF61-6B19-7D5B44124F77}"/>
+              </a:ext>
+            </a:extLst>
+          </p:cNvPr>
+          <p:cNvSpPr txBox="1"/>
+          <p:nvPr/>
+        </p:nvSpPr>
+        <p:spPr>
+          <a:xfrm>
+            <a:off x="2689860" y="1768998"/>
+            <a:ext cx="1341120" cy="369332"/>
+          </a:xfrm>
+          <a:prstGeom prst="rect">
+            <a:avLst/>
+          </a:prstGeom>
+          <a:noFill/>
+        </p:spPr>
+        <p:txBody>
+          <a:bodyPr wrap="square" rtlCol="0">
+            <a:spAutoFit/>
+          </a:bodyPr>
+          <a:lstStyle/>
+          <a:p>
+            <a:r>
+              <a:rPr lang="en-US" dirty="0"/>
+              <a:t>Pedestal</a:t>
+            </a:r>
+          </a:p>
+        </p:txBody>
+      </p:sp>
+      <p:sp>
+        <p:nvSpPr>
+          <p:cNvPr id="7" name="TextBox 6">
+            <a:extLst>
+              <a:ext uri="{FF2B5EF4-FFF2-40B4-BE49-F238E27FC236}">
+                <a16:creationId xmlns:a16="http://schemas.microsoft.com/office/drawing/2014/main" id="{83E1FF78-E4C3-9F2E-7C59-D12095C782FB}"/>
+              </a:ext>
+            </a:extLst>
+          </p:cNvPr>
+          <p:cNvSpPr txBox="1"/>
+          <p:nvPr/>
+        </p:nvSpPr>
+        <p:spPr>
+          <a:xfrm>
+            <a:off x="9121140" y="1768998"/>
+            <a:ext cx="537327" cy="369332"/>
+          </a:xfrm>
+          <a:prstGeom prst="rect">
+            <a:avLst/>
+          </a:prstGeom>
+          <a:noFill/>
+        </p:spPr>
+        <p:txBody>
+          <a:bodyPr wrap="none" rtlCol="0">
+            <a:spAutoFit/>
+          </a:bodyPr>
+          <a:lstStyle/>
+          <a:p>
+            <a:r>
+              <a:rPr lang="en-US" dirty="0"/>
+              <a:t>LED</a:t>
+            </a:r>
+          </a:p>
+        </p:txBody>
+      </p:sp>
+      <p:pic>
+        <p:nvPicPr>
+          <p:cNvPr id="9" name="Picture 8">
+            <a:extLst>
+              <a:ext uri="{FF2B5EF4-FFF2-40B4-BE49-F238E27FC236}">
+                <a16:creationId xmlns:a16="http://schemas.microsoft.com/office/drawing/2014/main" id="{3C0412C3-AAE4-8821-D8F8-ACB4135A14F7}"/>
+              </a:ext>
+            </a:extLst>
+          </p:cNvPr>
+          <p:cNvPicPr>
+            <a:picLocks noChangeAspect="1"/>
+          </p:cNvPicPr>
+          <p:nvPr/>
+        </p:nvPicPr>
+        <p:blipFill>
+          <a:blip r:embed="rId3"/>
+          <a:stretch>
+            <a:fillRect/>
+          </a:stretch>
+        </p:blipFill>
+        <p:spPr>
+          <a:xfrm>
+            <a:off x="6944661" y="2216640"/>
+            <a:ext cx="4352957" cy="4133880"/>
+          </a:xfrm>
+          <a:prstGeom prst="rect">
+            <a:avLst/>
+          </a:prstGeom>
+        </p:spPr>
+      </p:pic>
+    </p:spTree>
+    <p:extLst>
+      <p:ext uri="{BB962C8B-B14F-4D97-AF65-F5344CB8AC3E}">
+        <p14:creationId xmlns:p14="http://schemas.microsoft.com/office/powerpoint/2010/main" val="3524398336"/>
+      </p:ext>
+    </p:extLst>
+  </p:cSld>
+  <p:clrMapOvr>
+    <a:masterClrMapping/>
+  </p:clrMapOvr>
+</p:sld>
+</file>
+
+<file path=ppt/slides/slide14.xml><?xml version="1.0" encoding="utf-8"?>
+<p:sld xmlns:a="http://schemas.openxmlformats.org/drawingml/2006/main" xmlns:r="http://schemas.openxmlformats.org/officeDocument/2006/relationships" xmlns:p="http://schemas.openxmlformats.org/presentationml/2006/main">
+  <p:cSld>
+    <p:spTree>
+      <p:nvGrpSpPr>
+        <p:cNvPr id="1" name=""/>
+        <p:cNvGrpSpPr/>
+        <p:nvPr/>
+      </p:nvGrpSpPr>
+      <p:grpSpPr>
+        <a:xfrm>
+          <a:off x="0" y="0"/>
+          <a:ext cx="0" cy="0"/>
+          <a:chOff x="0" y="0"/>
+          <a:chExt cx="0" cy="0"/>
+        </a:xfrm>
+      </p:grpSpPr>
+      <p:sp>
+        <p:nvSpPr>
+          <p:cNvPr id="2" name="Title 1">
+            <a:extLst>
+              <a:ext uri="{FF2B5EF4-FFF2-40B4-BE49-F238E27FC236}">
+                <a16:creationId xmlns:a16="http://schemas.microsoft.com/office/drawing/2014/main" id="{209BDECD-9688-8EE9-414C-09AEE336875A}"/>
+              </a:ext>
+            </a:extLst>
+          </p:cNvPr>
+          <p:cNvSpPr>
+            <a:spLocks noGrp="1"/>
+          </p:cNvSpPr>
+          <p:nvPr>
+            <p:ph type="title"/>
+          </p:nvPr>
+        </p:nvSpPr>
+        <p:spPr/>
+        <p:txBody>
+          <a:bodyPr/>
+          <a:lstStyle/>
+          <a:p>
+            <a:r>
+              <a:rPr lang="en-US" dirty="0"/>
+              <a:t>Issue, speculation</a:t>
+            </a:r>
+          </a:p>
+        </p:txBody>
+      </p:sp>
+      <p:sp>
+        <p:nvSpPr>
+          <p:cNvPr id="3" name="Content Placeholder 2">
+            <a:extLst>
+              <a:ext uri="{FF2B5EF4-FFF2-40B4-BE49-F238E27FC236}">
+                <a16:creationId xmlns:a16="http://schemas.microsoft.com/office/drawing/2014/main" id="{9148E18B-7A61-6605-2344-DEBB0D24C688}"/>
+              </a:ext>
+            </a:extLst>
+          </p:cNvPr>
+          <p:cNvSpPr>
+            <a:spLocks noGrp="1"/>
+          </p:cNvSpPr>
+          <p:nvPr>
+            <p:ph idx="1"/>
+          </p:nvPr>
+        </p:nvSpPr>
+        <p:spPr/>
+        <p:txBody>
+          <a:bodyPr/>
+          <a:lstStyle/>
+          <a:p>
+            <a:r>
+              <a:rPr lang="en-US" dirty="0"/>
+              <a:t>Software issue</a:t>
+            </a:r>
+          </a:p>
+          <a:p>
+            <a:pPr lvl="1"/>
+            <a:r>
+              <a:rPr lang="en-US" dirty="0"/>
+              <a:t>Bias voltage may have been shut off, but was turned on again when next config loaded</a:t>
+            </a:r>
+          </a:p>
+          <a:p>
+            <a:r>
+              <a:rPr lang="en-US" dirty="0"/>
+              <a:t>Hardware issue</a:t>
+            </a:r>
+          </a:p>
+          <a:p>
+            <a:pPr lvl="1"/>
+            <a:r>
+              <a:rPr lang="en-US" dirty="0"/>
+              <a:t>Unlikely, but there may have been an issue with the CAEN machine</a:t>
+            </a:r>
+          </a:p>
+          <a:p>
+            <a:endParaRPr lang="en-US" dirty="0"/>
+          </a:p>
+          <a:p>
+            <a:endParaRPr lang="en-US" dirty="0"/>
+          </a:p>
+        </p:txBody>
+      </p:sp>
+    </p:spTree>
+    <p:extLst>
+      <p:ext uri="{BB962C8B-B14F-4D97-AF65-F5344CB8AC3E}">
+        <p14:creationId xmlns:p14="http://schemas.microsoft.com/office/powerpoint/2010/main" val="908987171"/>
+      </p:ext>
+    </p:extLst>
+  </p:cSld>
+  <p:clrMapOvr>
+    <a:masterClrMapping/>
+  </p:clrMapOvr>
+</p:sld>
+</file>
+
 <file path=ppt/slides/slide2.xml><?xml version="1.0" encoding="utf-8"?>
 <p:sld xmlns:a="http://schemas.openxmlformats.org/drawingml/2006/main" xmlns:r="http://schemas.openxmlformats.org/officeDocument/2006/relationships" xmlns:p="http://schemas.openxmlformats.org/presentationml/2006/main">
   <p:cSld>
@@ -4589,14 +5537,22 @@
           <a:lstStyle/>
           <a:p>
             <a:r>
-              <a:rPr lang="en-US" dirty="0"/>
+              <a:rPr lang="en-US" dirty="0">
+                <a:solidFill>
+                  <a:srgbClr val="FF0000"/>
+                </a:solidFill>
+              </a:rPr>
               <a:t>Issues with the Janus Software saving last run information files</a:t>
             </a:r>
           </a:p>
           <a:p>
             <a:pPr lvl="1"/>
             <a:r>
-              <a:rPr lang="en-US" dirty="0"/>
+              <a:rPr lang="en-US" dirty="0">
+                <a:solidFill>
+                  <a:srgbClr val="FF0000"/>
+                </a:solidFill>
+              </a:rPr>
               <a:t>Need to repeat the runs</a:t>
             </a:r>
           </a:p>
